--- a/COVID-19 Detector.pptx
+++ b/COVID-19 Detector.pptx
@@ -305,7 +305,7 @@
               <a:pPr>
                 <a:defRPr/>
               </a:pPr>
-              <a:t>3/22/2020</a:t>
+              <a:t>3/29/2020</a:t>
             </a:fld>
             <a:endParaRPr lang="en-US" dirty="0">
               <a:latin typeface="Arial" panose="020B0604020202020204" pitchFamily="34" charset="0"/>
@@ -527,7 +527,7 @@
               <a:pPr>
                 <a:defRPr/>
               </a:pPr>
-              <a:t>3/22/2020</a:t>
+              <a:t>3/29/2020</a:t>
             </a:fld>
             <a:endParaRPr lang="en-US" dirty="0"/>
           </a:p>
@@ -1043,7 +1043,7 @@
           <a:p>
             <a:fld id="{079CD16A-C782-4C8A-A774-F95683351E13}" type="datetime1">
               <a:rPr lang="en-US" smtClean="0"/>
-              <a:t>3/22/2020</a:t>
+              <a:t>3/29/2020</a:t>
             </a:fld>
             <a:endParaRPr lang="en-US"/>
           </a:p>
@@ -1211,7 +1211,7 @@
           <a:p>
             <a:fld id="{C4989816-5F72-4FEC-8E33-E43C4229401A}" type="datetime1">
               <a:rPr lang="en-US" smtClean="0"/>
-              <a:t>3/22/2020</a:t>
+              <a:t>3/29/2020</a:t>
             </a:fld>
             <a:endParaRPr lang="en-US"/>
           </a:p>
@@ -1389,7 +1389,7 @@
           <a:p>
             <a:fld id="{FB1D6D12-1DE3-48BC-9A54-EC090D217DAD}" type="datetime1">
               <a:rPr lang="en-US" smtClean="0"/>
-              <a:t>3/22/2020</a:t>
+              <a:t>3/29/2020</a:t>
             </a:fld>
             <a:endParaRPr lang="en-US"/>
           </a:p>
@@ -1506,7 +1506,7 @@
           <a:p>
             <a:fld id="{A39CADBC-EBBD-47BF-A1EF-11A2CE258A72}" type="datetime1">
               <a:rPr lang="en-US" smtClean="0"/>
-              <a:t>3/22/2020</a:t>
+              <a:t>3/29/2020</a:t>
             </a:fld>
             <a:endParaRPr lang="en-US"/>
           </a:p>
@@ -1623,7 +1623,7 @@
           <a:p>
             <a:fld id="{220F9799-9A86-4D43-9755-6D11CAE3269C}" type="datetime1">
               <a:rPr lang="en-US" smtClean="0"/>
-              <a:t>3/22/2020</a:t>
+              <a:t>3/29/2020</a:t>
             </a:fld>
             <a:endParaRPr lang="en-US"/>
           </a:p>
@@ -2696,7 +2696,7 @@
           <a:p>
             <a:fld id="{B96A0DC5-3676-4D84-B014-53EF9A73E2BC}" type="datetime1">
               <a:rPr lang="en-US" smtClean="0"/>
-              <a:t>3/22/2020</a:t>
+              <a:t>3/29/2020</a:t>
             </a:fld>
             <a:endParaRPr lang="en-US"/>
           </a:p>
@@ -2941,7 +2941,7 @@
           <a:p>
             <a:fld id="{3E9CE1BA-97EA-4CC9-8A4F-E3F24E543786}" type="datetime1">
               <a:rPr lang="en-US" smtClean="0"/>
-              <a:t>3/22/2020</a:t>
+              <a:t>3/29/2020</a:t>
             </a:fld>
             <a:endParaRPr lang="en-US"/>
           </a:p>
@@ -3170,7 +3170,7 @@
           <a:p>
             <a:fld id="{83F2BE2D-CB18-453B-827E-27A65AC41114}" type="datetime1">
               <a:rPr lang="en-US" smtClean="0"/>
-              <a:t>3/22/2020</a:t>
+              <a:t>3/29/2020</a:t>
             </a:fld>
             <a:endParaRPr lang="en-US"/>
           </a:p>
@@ -3534,7 +3534,7 @@
           <a:p>
             <a:fld id="{6A239CA8-3A3D-486C-B6CD-02D3669527E1}" type="datetime1">
               <a:rPr lang="en-US" smtClean="0"/>
-              <a:t>3/22/2020</a:t>
+              <a:t>3/29/2020</a:t>
             </a:fld>
             <a:endParaRPr lang="en-US"/>
           </a:p>
@@ -3651,7 +3651,7 @@
           <a:p>
             <a:fld id="{A7FE77C6-C6F5-4985-9CCE-03C7004042E4}" type="datetime1">
               <a:rPr lang="en-US" smtClean="0"/>
-              <a:t>3/22/2020</a:t>
+              <a:t>3/29/2020</a:t>
             </a:fld>
             <a:endParaRPr lang="en-US"/>
           </a:p>
@@ -3746,7 +3746,7 @@
           <a:p>
             <a:fld id="{73363266-5268-499B-B59C-B7626809AA16}" type="datetime1">
               <a:rPr lang="en-US" smtClean="0"/>
-              <a:t>3/22/2020</a:t>
+              <a:t>3/29/2020</a:t>
             </a:fld>
             <a:endParaRPr lang="en-US"/>
           </a:p>
@@ -4021,7 +4021,7 @@
           <a:p>
             <a:fld id="{5C12D634-CF9B-4405-BCA4-2B56B0F70716}" type="datetime1">
               <a:rPr lang="en-US" smtClean="0"/>
-              <a:t>3/22/2020</a:t>
+              <a:t>3/29/2020</a:t>
             </a:fld>
             <a:endParaRPr lang="en-US"/>
           </a:p>
@@ -4273,7 +4273,7 @@
           <a:p>
             <a:fld id="{D1B05F55-FB23-4791-A107-5AE6C03E6341}" type="datetime1">
               <a:rPr lang="en-US" smtClean="0"/>
-              <a:t>3/22/2020</a:t>
+              <a:t>3/29/2020</a:t>
             </a:fld>
             <a:endParaRPr lang="en-US"/>
           </a:p>
@@ -4514,7 +4514,7 @@
           <a:p>
             <a:fld id="{23B2BF18-DBA5-40CC-A0D5-B9EA9AEE90BC}" type="datetime1">
               <a:rPr lang="en-US" smtClean="0"/>
-              <a:t>3/22/2020</a:t>
+              <a:t>3/29/2020</a:t>
             </a:fld>
             <a:endParaRPr lang="en-US"/>
           </a:p>
@@ -8379,7 +8379,15 @@
             </a:pPr>
             <a:r>
               <a:rPr lang="en-US" sz="2700" dirty="0"/>
-              <a:t>By training the Database and import the machine learning model into a HTML file with the Flask (web framework).</a:t>
+              <a:t>By training the Database and import the machine learning model </a:t>
+            </a:r>
+            <a:r>
+              <a:rPr lang="en-US" sz="2700"/>
+              <a:t>into an </a:t>
+            </a:r>
+            <a:r>
+              <a:rPr lang="en-US" sz="2700" dirty="0"/>
+              <a:t>HTML file with the Flask (web framework).</a:t>
             </a:r>
           </a:p>
           <a:p>
